--- a/Presentasi Final Datmin  x NLP.pptx
+++ b/Presentasi Final Datmin  x NLP.pptx
@@ -603,7 +603,31 @@
           <a:bodyPr/>
           <a:lstStyle/>
           <a:p>
-            <a:endParaRPr lang="zh-CN" altLang="en-US"/>
+            <a:r>
+              <a:rPr lang="id-ID" altLang="zh-CN"/>
+              <a:t>Era Online Ticketing juga menjadi salah satu kesempatan yang menarik.</a:t>
+            </a:r>
+            <a:endParaRPr lang="id-ID" altLang="zh-CN"/>
+          </a:p>
+          <a:p>
+            <a:endParaRPr lang="id-ID" altLang="zh-CN"/>
+          </a:p>
+          <a:p>
+            <a:r>
+              <a:rPr lang="id-ID" altLang="zh-CN"/>
+              <a:t>Selain memudahkan penonton dalam membeli tiket, adanya promo yang sering diadakan oleh </a:t>
+            </a:r>
+            <a:endParaRPr lang="id-ID" altLang="zh-CN"/>
+          </a:p>
+          <a:p>
+            <a:r>
+              <a:rPr lang="id-ID" altLang="zh-CN"/>
+              <a:t>penyedia jasa online ticketing juga berpotensi untuk menaikan jumlah angka penonton.</a:t>
+            </a:r>
+            <a:endParaRPr lang="id-ID" altLang="zh-CN"/>
+          </a:p>
+          <a:p>
+            <a:endParaRPr lang="id-ID" altLang="zh-CN"/>
           </a:p>
         </p:txBody>
       </p:sp>
@@ -759,7 +783,31 @@
           <a:bodyPr/>
           <a:lstStyle/>
           <a:p>
-            <a:endParaRPr lang="zh-CN" altLang="en-US"/>
+            <a:r>
+              <a:rPr lang="id-ID" altLang="zh-CN"/>
+              <a:t>Layanan streaming online saat ini belum menjadi ancaman yang serius bagi industri bioskop.</a:t>
+            </a:r>
+            <a:endParaRPr lang="id-ID" altLang="zh-CN"/>
+          </a:p>
+          <a:p>
+            <a:endParaRPr lang="id-ID" altLang="zh-CN"/>
+          </a:p>
+          <a:p>
+            <a:r>
+              <a:rPr lang="id-ID" altLang="zh-CN"/>
+              <a:t>Hal ini didasarkan pada survey yang dilakukan oleh PostTrak. PostTrak adalah sebuah layanan survey audiens bagi studio film. Hasil survey menunjukan bahwa penonton yang melakukan streaming, juga suka menonton bioskop</a:t>
+            </a:r>
+            <a:endParaRPr lang="id-ID" altLang="zh-CN"/>
+          </a:p>
+          <a:p>
+            <a:endParaRPr lang="id-ID" altLang="zh-CN"/>
+          </a:p>
+          <a:p>
+            <a:r>
+              <a:rPr lang="id-ID" altLang="zh-CN"/>
+              <a:t>Namun tidak menutup kemungkinan bahwa online streaming dapat menjadi ancaman yang serius jika perusahaan bioskop lengah dan tidak mampu bersaing dengan online streaming di masa depan.</a:t>
+            </a:r>
+            <a:endParaRPr lang="id-ID" altLang="zh-CN"/>
           </a:p>
         </p:txBody>
       </p:sp>
@@ -837,7 +885,61 @@
           <a:bodyPr/>
           <a:lstStyle/>
           <a:p>
-            <a:endParaRPr lang="zh-CN" altLang="en-US"/>
+            <a:r>
+              <a:rPr lang="id-ID" altLang="zh-CN"/>
+              <a:t>Dari analisis SWOT yang dilakukan, mari kita susun strategi untuk mengatasi kelemahan dan ancaman.</a:t>
+            </a:r>
+            <a:endParaRPr lang="id-ID" altLang="zh-CN"/>
+          </a:p>
+          <a:p>
+            <a:endParaRPr lang="id-ID" altLang="zh-CN"/>
+          </a:p>
+          <a:p>
+            <a:r>
+              <a:rPr lang="id-ID" altLang="zh-CN"/>
+              <a:t>Dari sisi kelemahan,  disusun strategi marketing media sosial yang baik dengan harapan terjadi perbaikan angka engagement rate dan juga terjadi peningkatan jumlah penonton.</a:t>
+            </a:r>
+            <a:endParaRPr lang="id-ID" altLang="zh-CN"/>
+          </a:p>
+          <a:p>
+            <a:endParaRPr lang="id-ID" altLang="zh-CN"/>
+          </a:p>
+          <a:p>
+            <a:r>
+              <a:rPr lang="id-ID" altLang="zh-CN"/>
+              <a:t>Peningkatan jumlah penonton juga harus ditangani dengan baik salah satunya terdapat pada strategi penanganan ancaman.</a:t>
+            </a:r>
+            <a:endParaRPr lang="id-ID" altLang="zh-CN"/>
+          </a:p>
+          <a:p>
+            <a:endParaRPr lang="id-ID" altLang="zh-CN"/>
+          </a:p>
+          <a:p>
+            <a:r>
+              <a:rPr lang="id-ID" altLang="zh-CN"/>
+              <a:t>Dari sisi ancaman, dapat dibentuk suatu model optimasi penjadwalan. Optimasi model penjadwalan dimaksudkan agar penayangan film di bioskop selalu up to date, dalam konteks selalu rilis tepat waktu dan pergi tepat waktu juga. </a:t>
+            </a:r>
+            <a:endParaRPr lang="id-ID" altLang="zh-CN"/>
+          </a:p>
+          <a:p>
+            <a:endParaRPr lang="id-ID" altLang="zh-CN"/>
+          </a:p>
+          <a:p>
+            <a:r>
+              <a:rPr lang="id-ID" altLang="zh-CN"/>
+              <a:t>Optimasi model ini ditujukan agar penonton tidak menjadi jenuh akibat film yang ditayangkan terlalu lama sehingga mereka malah beralih ke online streaming.</a:t>
+            </a:r>
+            <a:endParaRPr lang="id-ID" altLang="zh-CN"/>
+          </a:p>
+          <a:p>
+            <a:endParaRPr lang="id-ID" altLang="zh-CN"/>
+          </a:p>
+          <a:p>
+            <a:r>
+              <a:rPr lang="id-ID" altLang="zh-CN"/>
+              <a:t>Pembahasan seterusnya akan menitikberatkan dalam membuat model untuk mengatasi ancaman</a:t>
+            </a:r>
+            <a:endParaRPr lang="id-ID" altLang="zh-CN"/>
           </a:p>
         </p:txBody>
       </p:sp>
@@ -915,7 +1017,21 @@
           <a:bodyPr/>
           <a:lstStyle/>
           <a:p>
-            <a:endParaRPr lang="zh-CN" altLang="en-US"/>
+            <a:r>
+              <a:rPr lang="id-ID" altLang="zh-CN"/>
+              <a:t>Dalam menjalankan strategi yang telah direncanakan harus ditentukan batasan masalah. </a:t>
+            </a:r>
+            <a:endParaRPr lang="id-ID" altLang="zh-CN"/>
+          </a:p>
+          <a:p>
+            <a:endParaRPr lang="id-ID" altLang="zh-CN"/>
+          </a:p>
+          <a:p>
+            <a:r>
+              <a:rPr lang="id-ID" altLang="zh-CN"/>
+              <a:t>Strategi yang diusulkan hanya berlaku untuk diterapkan pada bioskop yang segmen penontonya adalah yang memiliki preferensi untuk menonton film barat.</a:t>
+            </a:r>
+            <a:endParaRPr lang="id-ID" altLang="zh-CN"/>
           </a:p>
         </p:txBody>
       </p:sp>
@@ -993,7 +1109,31 @@
           <a:bodyPr/>
           <a:lstStyle/>
           <a:p>
-            <a:endParaRPr lang="zh-CN" altLang="en-US"/>
+            <a:r>
+              <a:rPr lang="id-ID" altLang="zh-CN"/>
+              <a:t>Dengan menjalankan strategi yang diusulkan, diharapkan terjadi kenaikan jumlah penonton dan juga pendapatan. </a:t>
+            </a:r>
+            <a:endParaRPr lang="id-ID" altLang="zh-CN"/>
+          </a:p>
+          <a:p>
+            <a:endParaRPr lang="id-ID" altLang="zh-CN"/>
+          </a:p>
+          <a:p>
+            <a:r>
+              <a:rPr lang="id-ID" altLang="zh-CN"/>
+              <a:t>Diharapkan juga penjadwalan film menjadi lebih optimal dan sebisa mungkin tidak membosankan penonton.</a:t>
+            </a:r>
+            <a:endParaRPr lang="id-ID" altLang="zh-CN"/>
+          </a:p>
+          <a:p>
+            <a:endParaRPr lang="id-ID" altLang="zh-CN"/>
+          </a:p>
+          <a:p>
+            <a:r>
+              <a:rPr lang="id-ID" altLang="zh-CN"/>
+              <a:t>Selain itu kenaikan dan hasil pengoptimalan diharapkan dapat dimanfaatkan sebagai portofolio advertising</a:t>
+            </a:r>
+            <a:endParaRPr lang="id-ID" altLang="zh-CN"/>
           </a:p>
         </p:txBody>
       </p:sp>
@@ -1071,7 +1211,11 @@
           <a:bodyPr/>
           <a:lstStyle/>
           <a:p>
-            <a:endParaRPr lang="zh-CN" altLang="en-US"/>
+            <a:r>
+              <a:rPr lang="id-ID" altLang="zh-CN"/>
+              <a:t>Pembentukan  model penyajian film yang up to date, yaitu model yang akan memprediksi berapa lama suatu judul film akan ditayangkan di bioskop</a:t>
+            </a:r>
+            <a:endParaRPr lang="id-ID" altLang="zh-CN"/>
           </a:p>
         </p:txBody>
       </p:sp>
@@ -1149,7 +1293,106 @@
           <a:bodyPr/>
           <a:lstStyle/>
           <a:p>
-            <a:endParaRPr lang="zh-CN" altLang="en-US"/>
+            <a:r>
+              <a:rPr lang="id-ID" altLang="zh-CN"/>
+              <a:t>Dalam mempersiapkan model penyajian film up to date, terdapat 2 hal yang perlu dipersiapkan, yaitu dataset dan model itu sendiri</a:t>
+            </a:r>
+            <a:endParaRPr lang="id-ID" altLang="zh-CN"/>
+          </a:p>
+          <a:p>
+            <a:endParaRPr lang="id-ID" altLang="zh-CN"/>
+          </a:p>
+          <a:p>
+            <a:pPr algn="l">
+              <a:lnSpc>
+                <a:spcPct val="150000"/>
+              </a:lnSpc>
+            </a:pPr>
+            <a:r>
+              <a:rPr lang="id-ID" altLang="zh-CN"/>
+              <a:t>dataset yang digunakan terdiri dari </a:t>
+            </a:r>
+            <a:r>
+              <a:rPr lang="id-ID" altLang="en-GB" dirty="0">
+                <a:solidFill>
+                  <a:schemeClr val="tx1">
+                    <a:lumMod val="75000"/>
+                    <a:lumOff val="25000"/>
+                  </a:schemeClr>
+                </a:solidFill>
+                <a:latin typeface="Leelawadee UI" panose="020B0502040204020203" charset="0"/>
+                <a:ea typeface="Microsoft YaHei" panose="020B0503020204020204" pitchFamily="34" charset="-122"/>
+                <a:cs typeface="Leelawadee UI" panose="020B0502040204020203" charset="0"/>
+                <a:sym typeface="+mn-ea"/>
+              </a:rPr>
+              <a:t>90 Judul Film barat dalam rentang waktu dari tahun 2016 sampai dengan tahun 2019. </a:t>
+            </a:r>
+            <a:endParaRPr lang="id-ID" altLang="en-GB" dirty="0">
+              <a:solidFill>
+                <a:schemeClr val="tx1">
+                  <a:lumMod val="75000"/>
+                  <a:lumOff val="25000"/>
+                </a:schemeClr>
+              </a:solidFill>
+              <a:latin typeface="Leelawadee UI" panose="020B0502040204020203" charset="0"/>
+              <a:ea typeface="Microsoft YaHei" panose="020B0503020204020204" pitchFamily="34" charset="-122"/>
+              <a:cs typeface="Leelawadee UI" panose="020B0502040204020203" charset="0"/>
+              <a:sym typeface="+mn-ea"/>
+            </a:endParaRPr>
+          </a:p>
+          <a:p>
+            <a:pPr algn="l">
+              <a:lnSpc>
+                <a:spcPct val="150000"/>
+              </a:lnSpc>
+            </a:pPr>
+            <a:r>
+              <a:rPr lang="id-ID" altLang="en-GB" dirty="0">
+                <a:solidFill>
+                  <a:schemeClr val="tx1">
+                    <a:lumMod val="75000"/>
+                    <a:lumOff val="25000"/>
+                  </a:schemeClr>
+                </a:solidFill>
+                <a:latin typeface="Leelawadee UI" panose="020B0502040204020203" charset="0"/>
+                <a:ea typeface="Microsoft YaHei" panose="020B0503020204020204" pitchFamily="34" charset="-122"/>
+                <a:cs typeface="Leelawadee UI" panose="020B0502040204020203" charset="0"/>
+                <a:sym typeface="+mn-ea"/>
+              </a:rPr>
+              <a:t>Attribut yang dikumpulkan untuk setiap judul film adalah skor audiens, kategori rumah produksi dan distributor, lama penayangan, dan sentimen analysis data twitter.</a:t>
+            </a:r>
+            <a:endParaRPr lang="id-ID" altLang="en-GB" dirty="0">
+              <a:solidFill>
+                <a:schemeClr val="tx1">
+                  <a:lumMod val="75000"/>
+                  <a:lumOff val="25000"/>
+                </a:schemeClr>
+              </a:solidFill>
+              <a:latin typeface="Leelawadee UI" panose="020B0502040204020203" charset="0"/>
+              <a:ea typeface="Microsoft YaHei" panose="020B0503020204020204" pitchFamily="34" charset="-122"/>
+              <a:cs typeface="Leelawadee UI" panose="020B0502040204020203" charset="0"/>
+              <a:sym typeface="+mn-ea"/>
+            </a:endParaRPr>
+          </a:p>
+          <a:p>
+            <a:pPr algn="l">
+              <a:lnSpc>
+                <a:spcPct val="150000"/>
+              </a:lnSpc>
+            </a:pPr>
+            <a:endParaRPr lang="id-ID" altLang="zh-CN"/>
+          </a:p>
+          <a:p>
+            <a:pPr algn="l">
+              <a:lnSpc>
+                <a:spcPct val="150000"/>
+              </a:lnSpc>
+            </a:pPr>
+            <a:r>
+              <a:rPr lang="id-ID" altLang="zh-CN"/>
+              <a:t>untuk model sendiri, dipilih pendekatan Decision Tree. Model Decision Tree dipilih dengan alasan karena kesederhanaanya, kemampuanya menangani data kategorik dan numerik, serta sifatnya yang white-box, atau mudah untuk dijelaskan dengan bahasa manusia.</a:t>
+            </a:r>
+            <a:endParaRPr lang="id-ID" altLang="zh-CN"/>
           </a:p>
         </p:txBody>
       </p:sp>
@@ -1227,7 +1470,31 @@
           <a:bodyPr/>
           <a:lstStyle/>
           <a:p>
-            <a:endParaRPr lang="zh-CN" altLang="en-US"/>
+            <a:r>
+              <a:rPr lang="id-ID" altLang="zh-CN"/>
+              <a:t>Mari beralih ke pembentukan dataset. untuk skor audiens, digunakan skor metacritic, rotten tomatoes, dan imbd yang didapatkan dari mesin pencari google. </a:t>
+            </a:r>
+            <a:endParaRPr lang="id-ID" altLang="zh-CN"/>
+          </a:p>
+          <a:p>
+            <a:endParaRPr lang="id-ID" altLang="zh-CN"/>
+          </a:p>
+          <a:p>
+            <a:r>
+              <a:rPr lang="id-ID" altLang="zh-CN"/>
+              <a:t>skor audiens diharapkan dapat menjadi parameter yang mempengaruhi model, karena biasanya film akan rilis lebih dahulu di luar negri dari pada di indonesia. sehingga diharapkan skor ini merepresentasikan tingkat kepuasan penonton luar negri yang menonton film tersebut lebih dulu.</a:t>
+            </a:r>
+            <a:endParaRPr lang="id-ID" altLang="zh-CN"/>
+          </a:p>
+          <a:p>
+            <a:endParaRPr lang="id-ID" altLang="zh-CN"/>
+          </a:p>
+          <a:p>
+            <a:r>
+              <a:rPr lang="id-ID" altLang="zh-CN"/>
+              <a:t>Selain itu diambil juga data kategorikal yaitu rumah produksi dan distributor film</a:t>
+            </a:r>
+            <a:endParaRPr lang="id-ID" altLang="zh-CN"/>
           </a:p>
         </p:txBody>
       </p:sp>
@@ -1305,7 +1572,61 @@
           <a:bodyPr/>
           <a:lstStyle/>
           <a:p>
-            <a:endParaRPr lang="zh-CN" altLang="en-US"/>
+            <a:r>
+              <a:rPr lang="id-ID" altLang="zh-CN"/>
+              <a:t>Oh ya, untuk dataset dapat dilihat dengan mengunjungi link ugm.id/datasetcineplex21.</a:t>
+            </a:r>
+            <a:endParaRPr lang="id-ID" altLang="zh-CN"/>
+          </a:p>
+          <a:p>
+            <a:endParaRPr lang="id-ID" altLang="zh-CN"/>
+          </a:p>
+          <a:p>
+            <a:r>
+              <a:rPr lang="id-ID" altLang="zh-CN"/>
+              <a:t>Selanjutnya pengambilan data lama penayangan. </a:t>
+            </a:r>
+            <a:endParaRPr lang="id-ID" altLang="zh-CN"/>
+          </a:p>
+          <a:p>
+            <a:endParaRPr lang="id-ID" altLang="zh-CN"/>
+          </a:p>
+          <a:p>
+            <a:r>
+              <a:rPr lang="id-ID" altLang="zh-CN"/>
+              <a:t>Pengambilan data lama penayangan diambil dari Google Trends, hal ini dikarenakan tidak ditemukanya layanan yang men-archive rata-rata suatu judul film ditayangkan di bioskop. </a:t>
+            </a:r>
+            <a:endParaRPr lang="id-ID" altLang="zh-CN"/>
+          </a:p>
+          <a:p>
+            <a:endParaRPr lang="id-ID" altLang="zh-CN"/>
+          </a:p>
+          <a:p>
+            <a:r>
+              <a:rPr lang="id-ID" altLang="zh-CN"/>
+              <a:t>Data Google Trend dibentuk dengan format timeseries, yaitu interest penonton terhadap suatu film dalam dimensi waktu. Biasanya ketika film rilis, indikator akan menyentuh angka 100, dan akan menurun setiap minggunya. </a:t>
+            </a:r>
+            <a:endParaRPr lang="id-ID" altLang="zh-CN"/>
+          </a:p>
+          <a:p>
+            <a:endParaRPr lang="id-ID" altLang="zh-CN"/>
+          </a:p>
+          <a:p>
+            <a:r>
+              <a:rPr lang="id-ID" altLang="zh-CN"/>
+              <a:t>Penurunan interest per minggu tersebut akan dicatat sampai indikator menyentuh angka 20. Hal ini dikarenakan ketika indikator menyentuh angka 20, maka minggu-minggu sesudahnya tidak akan naik atau turun dari angka 20.</a:t>
+            </a:r>
+            <a:endParaRPr lang="id-ID" altLang="zh-CN"/>
+          </a:p>
+          <a:p>
+            <a:endParaRPr lang="id-ID" altLang="zh-CN"/>
+          </a:p>
+          <a:p>
+            <a:r>
+              <a:rPr lang="id-ID" altLang="zh-CN"/>
+              <a:t>Kelas penayangan yang didapat dari Google Trends dibagi ke dalam kelas 2,3,4,5, dan 6 minggu,</a:t>
+            </a:r>
+            <a:endParaRPr lang="id-ID" altLang="zh-CN"/>
           </a:p>
         </p:txBody>
       </p:sp>
@@ -1461,7 +1782,58 @@
           <a:bodyPr/>
           <a:lstStyle/>
           <a:p>
-            <a:endParaRPr lang="zh-CN" altLang="en-US"/>
+            <a:r>
+              <a:rPr lang="id-ID" altLang="zh-CN"/>
+              <a:t>Selanjutnya diambil data sentiment analysis. </a:t>
+            </a:r>
+            <a:endParaRPr lang="id-ID" altLang="zh-CN"/>
+          </a:p>
+          <a:p>
+            <a:endParaRPr lang="id-ID" altLang="zh-CN"/>
+          </a:p>
+          <a:p>
+            <a:r>
+              <a:rPr lang="id-ID" altLang="zh-CN"/>
+              <a:t>Sentimen analysis ini digunakan untuk mengetahui tingkat semangat netizen terhadap suatu film yang akan dirilis. </a:t>
+            </a:r>
+            <a:endParaRPr lang="id-ID" altLang="zh-CN"/>
+          </a:p>
+          <a:p>
+            <a:endParaRPr lang="id-ID" altLang="zh-CN"/>
+          </a:p>
+          <a:p>
+            <a:r>
+              <a:rPr lang="id-ID" altLang="zh-CN"/>
+              <a:t>Untuk setiap judul film diambi sebanyak 10.000 tweet  dari rentang waktu 2 bulan sebelum film tersebut dirilis</a:t>
+            </a:r>
+            <a:endParaRPr lang="id-ID" altLang="zh-CN"/>
+          </a:p>
+          <a:p>
+            <a:r>
+              <a:rPr lang="id-ID" altLang="zh-CN"/>
+              <a:t>Tweet yang telah diambil kemudian akan diproses untuk diketahui sentiment analysis untuk masing-masing tweet.</a:t>
+            </a:r>
+            <a:endParaRPr lang="id-ID" altLang="zh-CN"/>
+          </a:p>
+          <a:p>
+            <a:endParaRPr lang="id-ID" altLang="zh-CN"/>
+          </a:p>
+          <a:p>
+            <a:r>
+              <a:rPr lang="id-ID" altLang="zh-CN"/>
+              <a:t>Sentiment Analysis kemudian akan direpresentasikan dalam bentuk persentase positif dan  persentase negatif.</a:t>
+            </a:r>
+            <a:endParaRPr lang="id-ID" altLang="zh-CN"/>
+          </a:p>
+          <a:p>
+            <a:endParaRPr lang="id-ID" altLang="zh-CN"/>
+          </a:p>
+          <a:p>
+            <a:r>
+              <a:rPr lang="id-ID" altLang="zh-CN"/>
+              <a:t>Untuk catatan, total tweet yang digunakan untuk representasi sentiment analysis karena terdapat kelas netral yang dibuang. kelas netral menunjukan bahwa tweet tidak bersentimen positif, ataupun negatif</a:t>
+            </a:r>
+            <a:endParaRPr lang="id-ID" altLang="zh-CN"/>
           </a:p>
         </p:txBody>
       </p:sp>
@@ -1539,7 +1911,55 @@
           <a:bodyPr/>
           <a:lstStyle/>
           <a:p>
-            <a:endParaRPr lang="zh-CN" altLang="en-US"/>
+            <a:r>
+              <a:rPr lang="id-ID" altLang="zh-CN"/>
+              <a:t>mari kita coba cari insight dari dataset. </a:t>
+            </a:r>
+            <a:endParaRPr lang="id-ID" altLang="zh-CN"/>
+          </a:p>
+          <a:p>
+            <a:endParaRPr lang="id-ID" altLang="zh-CN"/>
+          </a:p>
+          <a:p>
+            <a:r>
+              <a:rPr lang="id-ID" altLang="zh-CN"/>
+              <a:t>Dilakukan filtering pada dataset sehingga data yang ditunjukan adalah data yang lama penayanganya mencapai 5 sampai denga 6 minggu.</a:t>
+            </a:r>
+            <a:endParaRPr lang="id-ID" altLang="zh-CN"/>
+          </a:p>
+          <a:p>
+            <a:endParaRPr lang="id-ID" altLang="zh-CN"/>
+          </a:p>
+          <a:p>
+            <a:r>
+              <a:rPr lang="id-ID" altLang="zh-CN"/>
+              <a:t>Analisis dilakukan pada hasil filtering yang menyisakan sebanyak 25 judul film. Didapatkan fakta bahwa 16 dari 25 judul film hasil filtering termasuk kategori film keluarga. </a:t>
+            </a:r>
+            <a:endParaRPr lang="id-ID" altLang="zh-CN"/>
+          </a:p>
+          <a:p>
+            <a:endParaRPr lang="id-ID" altLang="zh-CN"/>
+          </a:p>
+          <a:p>
+            <a:r>
+              <a:rPr lang="id-ID" altLang="zh-CN"/>
+              <a:t>Apa beberapa kesimpulan yang mampu kita ambil?</a:t>
+            </a:r>
+            <a:endParaRPr lang="id-ID" altLang="zh-CN"/>
+          </a:p>
+          <a:p>
+            <a:r>
+              <a:rPr lang="id-ID" altLang="zh-CN"/>
+              <a:t>1. Film keluarga memiliki pasar yang luas, dari anak-anak sampai dengan orang tua, sehingga tidak heran film keluarga bertahan lama di bioskop</a:t>
+            </a:r>
+            <a:endParaRPr lang="id-ID" altLang="zh-CN"/>
+          </a:p>
+          <a:p>
+            <a:r>
+              <a:rPr lang="id-ID" altLang="zh-CN"/>
+              <a:t>2. Bioskop masih menjadi pilihan untuk Quality Time bersama keluarga, atau dikatakan bioskop sebagai sarana rekreasi keluarga. Hal ini merupakan insight yang bisa mengalahkan ancaman atau threat dari online streaming, dimana online streaming tidak bisa digukanan sebagai sarana rekreasi seperti bioskop</a:t>
+            </a:r>
+            <a:endParaRPr lang="id-ID" altLang="zh-CN"/>
           </a:p>
         </p:txBody>
       </p:sp>
@@ -1617,7 +2037,28 @@
           <a:bodyPr/>
           <a:lstStyle/>
           <a:p>
-            <a:endParaRPr lang="zh-CN" altLang="en-US"/>
+            <a:r>
+              <a:rPr lang="id-ID" altLang="zh-CN"/>
+              <a:t>Selain itu dari dataset juga didapatkan fakta bahwa pada bulan desember rerata penayangan menyentuh angka 4.75 minggu.</a:t>
+            </a:r>
+            <a:endParaRPr lang="id-ID" altLang="zh-CN"/>
+          </a:p>
+          <a:p>
+            <a:r>
+              <a:rPr lang="id-ID" altLang="zh-CN"/>
+              <a:t>Angka ini lebih tinggi jika dibandingkan bulan-bulan lainya. </a:t>
+            </a:r>
+            <a:endParaRPr lang="id-ID" altLang="zh-CN"/>
+          </a:p>
+          <a:p>
+            <a:endParaRPr lang="id-ID" altLang="zh-CN"/>
+          </a:p>
+          <a:p>
+            <a:r>
+              <a:rPr lang="id-ID" altLang="zh-CN"/>
+              <a:t>Kemungkinan yang mungkin terjadi adalah bulan Desember merupakan bulan yang identik dengan bulan liburan keluarga, sehingga bioskop dipilih sebagai salah satu sarana rekreasi keluarga terutama keluarga perkotaan.</a:t>
+            </a:r>
+            <a:endParaRPr lang="id-ID" altLang="zh-CN"/>
           </a:p>
         </p:txBody>
       </p:sp>
@@ -1695,7 +2136,51 @@
           <a:bodyPr/>
           <a:lstStyle/>
           <a:p>
-            <a:endParaRPr lang="zh-CN" altLang="en-US"/>
+            <a:r>
+              <a:rPr lang="id-ID" altLang="zh-CN"/>
+              <a:t>Mari beralih ke pembentukan model decision Tree.</a:t>
+            </a:r>
+            <a:endParaRPr lang="id-ID" altLang="zh-CN"/>
+          </a:p>
+          <a:p>
+            <a:endParaRPr lang="id-ID" altLang="zh-CN"/>
+          </a:p>
+          <a:p>
+            <a:r>
+              <a:rPr lang="id-ID" altLang="zh-CN"/>
+              <a:t>Model decision tree dibentuk dengan menggunakan bahasa pemrograman R, dengan library G5.0.</a:t>
+            </a:r>
+            <a:endParaRPr lang="id-ID" altLang="zh-CN"/>
+          </a:p>
+          <a:p>
+            <a:endParaRPr lang="id-ID" altLang="zh-CN"/>
+          </a:p>
+          <a:p>
+            <a:r>
+              <a:rPr lang="id-ID" altLang="zh-CN"/>
+              <a:t>Model yang dibentuk berdasarkan dataset dapat memprediksi kelas minggu penayangan sampai dengan 85%.</a:t>
+            </a:r>
+            <a:endParaRPr lang="id-ID" altLang="zh-CN"/>
+          </a:p>
+          <a:p>
+            <a:endParaRPr lang="id-ID" altLang="zh-CN"/>
+          </a:p>
+          <a:p>
+            <a:r>
+              <a:rPr lang="id-ID" altLang="zh-CN"/>
+              <a:t>Model juga menghasilkan visualisasi dari root hingga leafnya, sehingga pengguna model dapat memahami dengan jelas bagaimana suatu judul film akan diklasifikasi ke dalam kelas minggu penayangannya</a:t>
+            </a:r>
+            <a:endParaRPr lang="id-ID" altLang="zh-CN"/>
+          </a:p>
+          <a:p>
+            <a:endParaRPr lang="id-ID" altLang="zh-CN"/>
+          </a:p>
+          <a:p>
+            <a:r>
+              <a:rPr lang="id-ID" altLang="zh-CN"/>
+              <a:t>Model dapat diakses pada tautan ugm.id/modelcineplex21</a:t>
+            </a:r>
+            <a:endParaRPr lang="id-ID" altLang="zh-CN"/>
           </a:p>
         </p:txBody>
       </p:sp>
@@ -1773,7 +2258,41 @@
           <a:bodyPr/>
           <a:lstStyle/>
           <a:p>
-            <a:endParaRPr lang="zh-CN" altLang="en-US"/>
+            <a:r>
+              <a:rPr lang="id-ID" altLang="zh-CN"/>
+              <a:t>Mari kita analisis model decision tree yang telah dibentuk. </a:t>
+            </a:r>
+            <a:endParaRPr lang="id-ID" altLang="zh-CN"/>
+          </a:p>
+          <a:p>
+            <a:endParaRPr lang="id-ID" altLang="zh-CN"/>
+          </a:p>
+          <a:p>
+            <a:r>
+              <a:rPr lang="id-ID" altLang="zh-CN"/>
+              <a:t>Dari berkali-kali percobaan yang dilakukan, didapatkan fakta pada mayoritas percobaan, atribut sentimen negatif, nilai audiens metacritics, dan genre film tidak mempengaruhi model decision tree.</a:t>
+            </a:r>
+            <a:endParaRPr lang="id-ID" altLang="zh-CN"/>
+          </a:p>
+          <a:p>
+            <a:endParaRPr lang="id-ID" altLang="zh-CN"/>
+          </a:p>
+          <a:p>
+            <a:r>
+              <a:rPr lang="id-ID" altLang="zh-CN"/>
+              <a:t>Sedangkan untuk atribut lainya masih sering muncul ketika seed dari decision tree diubah. Untuk model yang mencapai akurasi 85% didapatkan bahwa atribut studio produksi sangat mempengaruhi klasifikasi lama minggu penayangan.  Skor audiens imdb dan rotten tomatoes juga selalu hadir dalam atribut yang digunakan. Bulan rilis dan juga sentimen positif sering muncul juga namun dalam persentase penggunaan yang lebih sedikit.</a:t>
+            </a:r>
+            <a:endParaRPr lang="id-ID" altLang="zh-CN"/>
+          </a:p>
+          <a:p>
+            <a:endParaRPr lang="id-ID" altLang="zh-CN"/>
+          </a:p>
+          <a:p>
+            <a:r>
+              <a:rPr lang="id-ID" altLang="zh-CN"/>
+              <a:t>Insight dari model ini adalah kualitas suatu film dan lamanya film itu ditayangkan bisa jadi dipengaruhi secara kuat oleh studio produksi film tersebut</a:t>
+            </a:r>
+            <a:endParaRPr lang="id-ID" altLang="zh-CN"/>
           </a:p>
         </p:txBody>
       </p:sp>
@@ -1851,7 +2370,25 @@
           <a:bodyPr/>
           <a:lstStyle/>
           <a:p>
-            <a:endParaRPr lang="zh-CN" altLang="en-US"/>
+            <a:r>
+              <a:rPr lang="id-ID" altLang="zh-CN"/>
+              <a:t>Sekian analisis dan strategi yang dilakukan untuk permasalahan penjadwalan pada Cineplex 21. </a:t>
+            </a:r>
+            <a:endParaRPr lang="id-ID" altLang="zh-CN"/>
+          </a:p>
+          <a:p>
+            <a:r>
+              <a:rPr lang="id-ID" altLang="zh-CN"/>
+              <a:t>Terimakasih banyak atas waktu yang diluangkan untuk menonton video ini</a:t>
+            </a:r>
+            <a:endParaRPr lang="id-ID" altLang="zh-CN"/>
+          </a:p>
+          <a:p>
+            <a:r>
+              <a:rPr lang="id-ID" altLang="zh-CN"/>
+              <a:t>Sampai jumpa lagi di lain kesempatan</a:t>
+            </a:r>
+            <a:endParaRPr lang="id-ID" altLang="zh-CN"/>
           </a:p>
         </p:txBody>
       </p:sp>
@@ -2007,7 +2544,41 @@
           <a:bodyPr/>
           <a:lstStyle/>
           <a:p>
-            <a:endParaRPr lang="zh-CN" altLang="en-US"/>
+            <a:r>
+              <a:rPr lang="id-ID" altLang="zh-CN"/>
+              <a:t>Menurut data yang didapat dari website resmi cineplex21, cineplex 21 memiliki total 1.140 layar, yang tersebar di 49 kota di 207 lokasi di seluruh indonesia.</a:t>
+            </a:r>
+            <a:endParaRPr lang="id-ID" altLang="zh-CN"/>
+          </a:p>
+          <a:p>
+            <a:endParaRPr lang="id-ID" altLang="zh-CN"/>
+          </a:p>
+          <a:p>
+            <a:r>
+              <a:rPr lang="id-ID" altLang="zh-CN"/>
+              <a:t>angka-angka tersebut terpaut jauh merk bioskop lainya.</a:t>
+            </a:r>
+            <a:endParaRPr lang="id-ID" altLang="zh-CN"/>
+          </a:p>
+          <a:p>
+            <a:endParaRPr lang="id-ID" altLang="zh-CN"/>
+          </a:p>
+          <a:p>
+            <a:r>
+              <a:rPr lang="id-ID" altLang="zh-CN"/>
+              <a:t>hal ini menunjukan bahwa jumlah layar dan jumlah lokasi bioskop cineplex 21 merupakan kekuatan atau strength dari perusahaan.</a:t>
+            </a:r>
+            <a:endParaRPr lang="id-ID" altLang="zh-CN"/>
+          </a:p>
+          <a:p>
+            <a:endParaRPr lang="id-ID" altLang="zh-CN"/>
+          </a:p>
+          <a:p>
+            <a:r>
+              <a:rPr lang="id-ID" altLang="zh-CN"/>
+              <a:t>dengan adanya strenght tersebut, dipastikan bahwa cineplex 21 masih sangat mampu untuk menjaring penonton secara masif dan memiliki kekuatan untuk melawan pesaing-pesaingnya.</a:t>
+            </a:r>
+            <a:endParaRPr lang="id-ID" altLang="zh-CN"/>
           </a:p>
         </p:txBody>
       </p:sp>
@@ -2085,7 +2656,11 @@
           <a:bodyPr/>
           <a:lstStyle/>
           <a:p>
-            <a:endParaRPr lang="zh-CN" altLang="en-US"/>
+            <a:r>
+              <a:rPr lang="id-ID" altLang="zh-CN"/>
+              <a:t>Setelah mengetahui kekuatan dari cineplex21, mari kita lihat weakness, atau kelemahan dari cineplex21</a:t>
+            </a:r>
+            <a:endParaRPr lang="id-ID" altLang="zh-CN"/>
           </a:p>
         </p:txBody>
       </p:sp>
@@ -2163,7 +2738,61 @@
           <a:bodyPr/>
           <a:lstStyle/>
           <a:p>
-            <a:endParaRPr lang="zh-CN" altLang="en-US"/>
+            <a:r>
+              <a:rPr lang="id-ID" altLang="zh-CN"/>
+              <a:t>Engagement Rate yang rendah merupakan salah satu weakness dari cineplex 21. </a:t>
+            </a:r>
+            <a:endParaRPr lang="id-ID" altLang="zh-CN"/>
+          </a:p>
+          <a:p>
+            <a:endParaRPr lang="id-ID" altLang="zh-CN"/>
+          </a:p>
+          <a:p>
+            <a:r>
+              <a:rPr lang="id-ID" altLang="zh-CN"/>
+              <a:t>Engagement Rate adalah metrik yang menilai bagaimana suatu konten dapat diterima dengan baik oleh audiensnya. </a:t>
+            </a:r>
+            <a:endParaRPr lang="id-ID" altLang="zh-CN"/>
+          </a:p>
+          <a:p>
+            <a:endParaRPr lang="id-ID" altLang="zh-CN"/>
+          </a:p>
+          <a:p>
+            <a:r>
+              <a:rPr lang="id-ID" altLang="zh-CN"/>
+              <a:t>Engagement Rate sendiri sering digunakan untuk mengevaluasi dan menganalisis pemasaran barang atau produk.</a:t>
+            </a:r>
+            <a:endParaRPr lang="id-ID" altLang="zh-CN"/>
+          </a:p>
+          <a:p>
+            <a:endParaRPr lang="id-ID" altLang="zh-CN"/>
+          </a:p>
+          <a:p>
+            <a:r>
+              <a:rPr lang="id-ID" altLang="zh-CN"/>
+              <a:t>Skor Engagement Rate yang dimiliki akun sosial media hanya mencetak angka 0.38%, sedangkan idealnya engagement rate dengan akun setara adalah sebesar 2.98%.</a:t>
+            </a:r>
+            <a:endParaRPr lang="id-ID" altLang="zh-CN"/>
+          </a:p>
+          <a:p>
+            <a:endParaRPr lang="id-ID" altLang="zh-CN"/>
+          </a:p>
+          <a:p>
+            <a:r>
+              <a:rPr lang="id-ID" altLang="zh-CN"/>
+              <a:t>Skor ini menunjukan kurangnya interaksi mendalam antara cineplex21 dengan pengikutnya </a:t>
+            </a:r>
+            <a:endParaRPr lang="id-ID" altLang="zh-CN"/>
+          </a:p>
+          <a:p>
+            <a:endParaRPr lang="id-ID" altLang="zh-CN"/>
+          </a:p>
+          <a:p>
+            <a:r>
+              <a:rPr lang="id-ID" altLang="zh-CN"/>
+              <a:t>Sebagai contoh sosial media cineplex 21 digunakan untuk promosi film baru dan promosi dengan pembelian kartu kredit bank tertentu yang mungkin hanya memuaskan stakeholder namun tidak memuaskan pengikut sosial medianya.</a:t>
+            </a:r>
+            <a:endParaRPr lang="id-ID" altLang="zh-CN"/>
           </a:p>
         </p:txBody>
       </p:sp>
@@ -2319,7 +2948,17 @@
           <a:bodyPr/>
           <a:lstStyle/>
           <a:p>
-            <a:endParaRPr lang="zh-CN" altLang="en-US"/>
+            <a:r>
+              <a:rPr lang="id-ID" altLang="zh-CN"/>
+              <a:t>Kenaikan jumlah penonton merupakan salah satu kesempatan yang dimiliki oleh cineplex 21.</a:t>
+            </a:r>
+            <a:endParaRPr lang="id-ID" altLang="zh-CN"/>
+          </a:p>
+          <a:p>
+            <a:endParaRPr lang="id-ID" altLang="zh-CN"/>
+          </a:p>
+          <a:p>
+            <a:endParaRPr lang="id-ID" altLang="zh-CN"/>
           </a:p>
         </p:txBody>
       </p:sp>
@@ -2397,7 +3036,31 @@
           <a:bodyPr/>
           <a:lstStyle/>
           <a:p>
-            <a:endParaRPr lang="zh-CN" altLang="en-US"/>
+            <a:r>
+              <a:rPr lang="id-ID" altLang="zh-CN"/>
+              <a:t>Menurut data yang didapat dari website katadata.co.id, dari tahun 2015 sampai dengan tahun 2018, terus terjadi kenaikan angka jumlah penonton bioskop.</a:t>
+            </a:r>
+            <a:endParaRPr lang="id-ID" altLang="zh-CN"/>
+          </a:p>
+          <a:p>
+            <a:endParaRPr lang="id-ID" altLang="zh-CN"/>
+          </a:p>
+          <a:p>
+            <a:r>
+              <a:rPr lang="id-ID" altLang="zh-CN"/>
+              <a:t>Hal ini menandakan bahwa Supply dan Demand berjalan seimbang. Dalam hal ini supply adalah strength atau kekuatan dari cineplex21 yaitu jumlah layar bioskop yang sangat banyak dan demand adalah kenaikan jumlah penonton.</a:t>
+            </a:r>
+            <a:endParaRPr lang="id-ID" altLang="zh-CN"/>
+          </a:p>
+          <a:p>
+            <a:endParaRPr lang="id-ID" altLang="zh-CN"/>
+          </a:p>
+          <a:p>
+            <a:r>
+              <a:rPr lang="id-ID" altLang="zh-CN"/>
+              <a:t>Badan Ekonomi kreatif juga menargetkan peningkatan jumlah penonton hingga 60 juta penonton di akhir tahun 2019, yaitu 15.4% lebih tinggi dari tahun 2018.</a:t>
+            </a:r>
+            <a:endParaRPr lang="id-ID" altLang="zh-CN"/>
           </a:p>
         </p:txBody>
       </p:sp>
